--- a/3º BIMESTRE/Filosofia/3 aula ARISTOTELES.pptx
+++ b/3º BIMESTRE/Filosofia/3 aula ARISTOTELES.pptx
@@ -6,20 +6,22 @@
   </p:sldMasterIdLst>
   <p:sldIdLst>
     <p:sldId id="256" r:id="rId2"/>
-    <p:sldId id="268" r:id="rId3"/>
-    <p:sldId id="269" r:id="rId4"/>
-    <p:sldId id="270" r:id="rId5"/>
-    <p:sldId id="265" r:id="rId6"/>
-    <p:sldId id="266" r:id="rId7"/>
-    <p:sldId id="267" r:id="rId8"/>
-    <p:sldId id="257" r:id="rId9"/>
-    <p:sldId id="263" r:id="rId10"/>
-    <p:sldId id="258" r:id="rId11"/>
-    <p:sldId id="264" r:id="rId12"/>
-    <p:sldId id="259" r:id="rId13"/>
-    <p:sldId id="260" r:id="rId14"/>
-    <p:sldId id="261" r:id="rId15"/>
-    <p:sldId id="262" r:id="rId16"/>
+    <p:sldId id="271" r:id="rId3"/>
+    <p:sldId id="272" r:id="rId4"/>
+    <p:sldId id="268" r:id="rId5"/>
+    <p:sldId id="269" r:id="rId6"/>
+    <p:sldId id="270" r:id="rId7"/>
+    <p:sldId id="265" r:id="rId8"/>
+    <p:sldId id="266" r:id="rId9"/>
+    <p:sldId id="267" r:id="rId10"/>
+    <p:sldId id="257" r:id="rId11"/>
+    <p:sldId id="263" r:id="rId12"/>
+    <p:sldId id="258" r:id="rId13"/>
+    <p:sldId id="264" r:id="rId14"/>
+    <p:sldId id="259" r:id="rId15"/>
+    <p:sldId id="260" r:id="rId16"/>
+    <p:sldId id="261" r:id="rId17"/>
+    <p:sldId id="262" r:id="rId18"/>
   </p:sldIdLst>
   <p:sldSz cx="9144000" cy="6858000" type="screen4x3"/>
   <p:notesSz cx="6858000" cy="9144000"/>
@@ -324,7 +326,7 @@
           <a:p>
             <a:fld id="{D213D090-2044-4D78-A9D2-1E6484FD5D99}" type="datetimeFigureOut">
               <a:rPr lang="pt-BR" smtClean="0"/>
-              <a:t>05/09/2024</a:t>
+              <a:t>17/09/2024</a:t>
             </a:fld>
             <a:endParaRPr lang="pt-BR"/>
           </a:p>
@@ -489,7 +491,7 @@
           <a:p>
             <a:fld id="{D213D090-2044-4D78-A9D2-1E6484FD5D99}" type="datetimeFigureOut">
               <a:rPr lang="pt-BR" smtClean="0"/>
-              <a:t>05/09/2024</a:t>
+              <a:t>17/09/2024</a:t>
             </a:fld>
             <a:endParaRPr lang="pt-BR"/>
           </a:p>
@@ -664,7 +666,7 @@
           <a:p>
             <a:fld id="{D213D090-2044-4D78-A9D2-1E6484FD5D99}" type="datetimeFigureOut">
               <a:rPr lang="pt-BR" smtClean="0"/>
-              <a:t>05/09/2024</a:t>
+              <a:t>17/09/2024</a:t>
             </a:fld>
             <a:endParaRPr lang="pt-BR"/>
           </a:p>
@@ -829,7 +831,7 @@
           <a:p>
             <a:fld id="{D213D090-2044-4D78-A9D2-1E6484FD5D99}" type="datetimeFigureOut">
               <a:rPr lang="pt-BR" smtClean="0"/>
-              <a:t>05/09/2024</a:t>
+              <a:t>17/09/2024</a:t>
             </a:fld>
             <a:endParaRPr lang="pt-BR"/>
           </a:p>
@@ -1068,7 +1070,7 @@
           <a:p>
             <a:fld id="{D213D090-2044-4D78-A9D2-1E6484FD5D99}" type="datetimeFigureOut">
               <a:rPr lang="pt-BR" smtClean="0"/>
-              <a:t>05/09/2024</a:t>
+              <a:t>17/09/2024</a:t>
             </a:fld>
             <a:endParaRPr lang="pt-BR"/>
           </a:p>
@@ -1158,7 +1160,7 @@
           <a:p>
             <a:fld id="{D213D090-2044-4D78-A9D2-1E6484FD5D99}" type="datetimeFigureOut">
               <a:rPr lang="pt-BR" smtClean="0"/>
-              <a:t>05/09/2024</a:t>
+              <a:t>17/09/2024</a:t>
             </a:fld>
             <a:endParaRPr lang="pt-BR"/>
           </a:p>
@@ -1532,7 +1534,7 @@
           <a:p>
             <a:fld id="{D213D090-2044-4D78-A9D2-1E6484FD5D99}" type="datetimeFigureOut">
               <a:rPr lang="pt-BR" smtClean="0"/>
-              <a:t>05/09/2024</a:t>
+              <a:t>17/09/2024</a:t>
             </a:fld>
             <a:endParaRPr lang="pt-BR"/>
           </a:p>
@@ -1787,7 +1789,7 @@
           <a:p>
             <a:fld id="{D213D090-2044-4D78-A9D2-1E6484FD5D99}" type="datetimeFigureOut">
               <a:rPr lang="pt-BR" smtClean="0"/>
-              <a:t>05/09/2024</a:t>
+              <a:t>17/09/2024</a:t>
             </a:fld>
             <a:endParaRPr lang="pt-BR"/>
           </a:p>
@@ -1877,7 +1879,7 @@
           <a:p>
             <a:fld id="{D213D090-2044-4D78-A9D2-1E6484FD5D99}" type="datetimeFigureOut">
               <a:rPr lang="pt-BR" smtClean="0"/>
-              <a:t>05/09/2024</a:t>
+              <a:t>17/09/2024</a:t>
             </a:fld>
             <a:endParaRPr lang="pt-BR"/>
           </a:p>
@@ -2151,7 +2153,7 @@
           <a:p>
             <a:fld id="{D213D090-2044-4D78-A9D2-1E6484FD5D99}" type="datetimeFigureOut">
               <a:rPr lang="pt-BR" smtClean="0"/>
-              <a:t>05/09/2024</a:t>
+              <a:t>17/09/2024</a:t>
             </a:fld>
             <a:endParaRPr lang="pt-BR"/>
           </a:p>
@@ -2423,7 +2425,7 @@
           <a:p>
             <a:fld id="{D213D090-2044-4D78-A9D2-1E6484FD5D99}" type="datetimeFigureOut">
               <a:rPr lang="pt-BR" smtClean="0"/>
-              <a:t>05/09/2024</a:t>
+              <a:t>17/09/2024</a:t>
             </a:fld>
             <a:endParaRPr lang="pt-BR"/>
           </a:p>
@@ -2723,7 +2725,7 @@
           <a:p>
             <a:fld id="{D213D090-2044-4D78-A9D2-1E6484FD5D99}" type="datetimeFigureOut">
               <a:rPr lang="pt-BR" smtClean="0"/>
-              <a:t>05/09/2024</a:t>
+              <a:t>17/09/2024</a:t>
             </a:fld>
             <a:endParaRPr lang="pt-BR"/>
           </a:p>
@@ -3270,6 +3272,226 @@
           <a:chExt cx="0" cy="0"/>
         </a:xfrm>
       </p:grpSpPr>
+      <p:sp>
+        <p:nvSpPr>
+          <p:cNvPr id="2" name="CaixaDeTexto 1"/>
+          <p:cNvSpPr txBox="1"/>
+          <p:nvPr/>
+        </p:nvSpPr>
+        <p:spPr>
+          <a:xfrm>
+            <a:off x="214282" y="893613"/>
+            <a:ext cx="8715404" cy="5847755"/>
+          </a:xfrm>
+          <a:prstGeom prst="rect">
+            <a:avLst/>
+          </a:prstGeom>
+          <a:noFill/>
+        </p:spPr>
+        <p:txBody>
+          <a:bodyPr wrap="square" rtlCol="0">
+            <a:spAutoFit/>
+          </a:bodyPr>
+          <a:lstStyle/>
+          <a:p>
+            <a:pPr algn="just"/>
+            <a:endParaRPr lang="pt-BR" sz="1400" dirty="0"/>
+          </a:p>
+          <a:p>
+            <a:pPr algn="just"/>
+            <a:r>
+              <a:rPr lang="pt-BR" sz="2000" dirty="0"/>
+              <a:t>Aristóteles nasceu em 384 a.C. em </a:t>
+            </a:r>
+            <a:r>
+              <a:rPr lang="pt-BR" sz="2000" dirty="0" err="1"/>
+              <a:t>Estagira</a:t>
+            </a:r>
+            <a:r>
+              <a:rPr lang="pt-BR" sz="2000" dirty="0"/>
+              <a:t>, na Macedônia (então sob influência grega e onde o grego era a língua predominante), filho de um médico. Aos 17 anos foi enviado à Academia de Platão, em Atenas, onde estudou e produziu filosofia durante 20 anos  parte de sua obra no período tem o objetivo de atacar a escola rival, de </a:t>
+            </a:r>
+            <a:r>
+              <a:rPr lang="pt-BR" sz="2000" dirty="0" err="1"/>
+              <a:t>Isócrates</a:t>
+            </a:r>
+            <a:r>
+              <a:rPr lang="pt-BR" sz="2000" dirty="0"/>
+              <a:t>, segundo a qual a finalidade do ensino era levar os alunos a dominar a retórica para serem capazes de defender qualquer ponto de vista, dependendo do interesse. Na Academia, a finalidade da educação era alcançar a sabedoria. Com a morte de Platão, em 347 a.C., Aristóteles mudou-se para </a:t>
+            </a:r>
+            <a:r>
+              <a:rPr lang="pt-BR" sz="2000" dirty="0" err="1"/>
+              <a:t>Assos</a:t>
+            </a:r>
+            <a:r>
+              <a:rPr lang="pt-BR" sz="2000" dirty="0"/>
+              <a:t>, na atual Turquia, possivelmente decepcionado por não ter sido escolhido para substituir o mestre na direção da Academia. Em 343 a.C., foi chamado por Felipe II, da Macedônia, para educar seu filho, Alexandre, e permaneceu na função durante vários anos, até que o pupilo começou a conquistar um vasto império (que incluía a Grécia, anexada por seu pai). De volta a Atenas, Aristóteles fundou a própria escola, o Liceu, desenvolvendo uma obra marcadamente </a:t>
+            </a:r>
+            <a:r>
+              <a:rPr lang="pt-BR" sz="2000" dirty="0" err="1"/>
+              <a:t>antiplatônica</a:t>
+            </a:r>
+            <a:r>
+              <a:rPr lang="pt-BR" sz="2000" dirty="0"/>
+              <a:t>. Depois da morte de Alexandre, Aristóteles passou a ser perseguido por ter colaborado na educação do imperador macedônio. Refugiou-se em </a:t>
+            </a:r>
+            <a:r>
+              <a:rPr lang="pt-BR" sz="2000" dirty="0" err="1"/>
+              <a:t>Calcis</a:t>
+            </a:r>
+            <a:r>
+              <a:rPr lang="pt-BR" sz="2000" dirty="0"/>
+              <a:t>, onde morreu em 322 a.C.</a:t>
+            </a:r>
+          </a:p>
+        </p:txBody>
+      </p:sp>
+    </p:spTree>
+    <p:extLst>
+      <p:ext uri="{BB962C8B-B14F-4D97-AF65-F5344CB8AC3E}">
+        <p14:creationId xmlns:p14="http://schemas.microsoft.com/office/powerpoint/2010/main" val="4016872651"/>
+      </p:ext>
+    </p:extLst>
+  </p:cSld>
+  <p:clrMapOvr>
+    <a:masterClrMapping/>
+  </p:clrMapOvr>
+</p:sld>
+</file>
+
+<file path=ppt/slides/slide11.xml><?xml version="1.0" encoding="utf-8"?>
+<p:sld xmlns:a="http://schemas.openxmlformats.org/drawingml/2006/main" xmlns:r="http://schemas.openxmlformats.org/officeDocument/2006/relationships" xmlns:p="http://schemas.openxmlformats.org/presentationml/2006/main">
+  <p:cSld>
+    <p:spTree>
+      <p:nvGrpSpPr>
+        <p:cNvPr id="1" name=""/>
+        <p:cNvGrpSpPr/>
+        <p:nvPr/>
+      </p:nvGrpSpPr>
+      <p:grpSpPr>
+        <a:xfrm>
+          <a:off x="0" y="0"/>
+          <a:ext cx="0" cy="0"/>
+          <a:chOff x="0" y="0"/>
+          <a:chExt cx="0" cy="0"/>
+        </a:xfrm>
+      </p:grpSpPr>
+      <p:pic>
+        <p:nvPicPr>
+          <p:cNvPr id="3074" name="Picture 2" descr="AristÃ³teles ensinando Alexandre, o Grande gravura de Charles Laplante"/>
+          <p:cNvPicPr>
+            <a:picLocks noChangeAspect="1" noChangeArrowheads="1"/>
+          </p:cNvPicPr>
+          <p:nvPr/>
+        </p:nvPicPr>
+        <p:blipFill>
+          <a:blip r:embed="rId2">
+            <a:extLst>
+              <a:ext uri="{28A0092B-C50C-407E-A947-70E740481C1C}">
+                <a14:useLocalDpi xmlns:a14="http://schemas.microsoft.com/office/drawing/2010/main" val="0"/>
+              </a:ext>
+            </a:extLst>
+          </a:blip>
+          <a:srcRect/>
+          <a:stretch>
+            <a:fillRect/>
+          </a:stretch>
+        </p:blipFill>
+        <p:spPr bwMode="auto">
+          <a:xfrm>
+            <a:off x="999363" y="1363811"/>
+            <a:ext cx="6912768" cy="5449565"/>
+          </a:xfrm>
+          <a:prstGeom prst="rect">
+            <a:avLst/>
+          </a:prstGeom>
+          <a:noFill/>
+          <a:extLst>
+            <a:ext uri="{909E8E84-426E-40DD-AFC4-6F175D3DCCD1}">
+              <a14:hiddenFill xmlns:a14="http://schemas.microsoft.com/office/drawing/2010/main">
+                <a:solidFill>
+                  <a:srgbClr val="FFFFFF"/>
+                </a:solidFill>
+              </a14:hiddenFill>
+            </a:ext>
+          </a:extLst>
+        </p:spPr>
+      </p:pic>
+      <p:sp>
+        <p:nvSpPr>
+          <p:cNvPr id="2" name="Retângulo 1"/>
+          <p:cNvSpPr/>
+          <p:nvPr/>
+        </p:nvSpPr>
+        <p:spPr>
+          <a:xfrm>
+            <a:off x="999363" y="260648"/>
+            <a:ext cx="6912768" cy="830997"/>
+          </a:xfrm>
+          <a:prstGeom prst="rect">
+            <a:avLst/>
+          </a:prstGeom>
+        </p:spPr>
+        <p:txBody>
+          <a:bodyPr wrap="square">
+            <a:spAutoFit/>
+          </a:bodyPr>
+          <a:lstStyle/>
+          <a:p>
+            <a:pPr algn="ctr"/>
+            <a:r>
+              <a:rPr lang="pt-BR" sz="2400" i="1" dirty="0"/>
+              <a:t>Aristóteles ensinando Alexandre, o Grande </a:t>
+            </a:r>
+          </a:p>
+          <a:p>
+            <a:pPr algn="ctr"/>
+            <a:r>
+              <a:rPr lang="pt-BR" sz="2400" i="1" dirty="0"/>
+              <a:t>– </a:t>
+            </a:r>
+            <a:r>
+              <a:rPr lang="pt-BR" sz="2400" dirty="0"/>
+              <a:t>gravura de Charles </a:t>
+            </a:r>
+            <a:r>
+              <a:rPr lang="pt-BR" sz="2400" dirty="0" err="1"/>
+              <a:t>Laplante</a:t>
+            </a:r>
+            <a:endParaRPr lang="pt-BR" sz="2400" dirty="0"/>
+          </a:p>
+        </p:txBody>
+      </p:sp>
+    </p:spTree>
+    <p:extLst>
+      <p:ext uri="{BB962C8B-B14F-4D97-AF65-F5344CB8AC3E}">
+        <p14:creationId xmlns:p14="http://schemas.microsoft.com/office/powerpoint/2010/main" val="4053121501"/>
+      </p:ext>
+    </p:extLst>
+  </p:cSld>
+  <p:clrMapOvr>
+    <a:masterClrMapping/>
+  </p:clrMapOvr>
+</p:sld>
+</file>
+
+<file path=ppt/slides/slide12.xml><?xml version="1.0" encoding="utf-8"?>
+<p:sld xmlns:a="http://schemas.openxmlformats.org/drawingml/2006/main" xmlns:r="http://schemas.openxmlformats.org/officeDocument/2006/relationships" xmlns:p="http://schemas.openxmlformats.org/presentationml/2006/main">
+  <p:cSld>
+    <p:spTree>
+      <p:nvGrpSpPr>
+        <p:cNvPr id="1" name=""/>
+        <p:cNvGrpSpPr/>
+        <p:nvPr/>
+      </p:nvGrpSpPr>
+      <p:grpSpPr>
+        <a:xfrm>
+          <a:off x="0" y="0"/>
+          <a:ext cx="0" cy="0"/>
+          <a:chOff x="0" y="0"/>
+          <a:chExt cx="0" cy="0"/>
+        </a:xfrm>
+      </p:grpSpPr>
       <p:grpSp>
         <p:nvGrpSpPr>
           <p:cNvPr id="6" name="Grupo 5"/>
@@ -3502,7 +3724,7 @@
 </p:sld>
 </file>
 
-<file path=ppt/slides/slide11.xml><?xml version="1.0" encoding="utf-8"?>
+<file path=ppt/slides/slide13.xml><?xml version="1.0" encoding="utf-8"?>
 <p:sld xmlns:a="http://schemas.openxmlformats.org/drawingml/2006/main" xmlns:r="http://schemas.openxmlformats.org/officeDocument/2006/relationships" xmlns:p="http://schemas.openxmlformats.org/presentationml/2006/main">
   <p:cSld>
     <p:spTree>
@@ -3692,7 +3914,7 @@
 </p:sld>
 </file>
 
-<file path=ppt/slides/slide12.xml><?xml version="1.0" encoding="utf-8"?>
+<file path=ppt/slides/slide14.xml><?xml version="1.0" encoding="utf-8"?>
 <p:sld xmlns:a="http://schemas.openxmlformats.org/drawingml/2006/main" xmlns:r="http://schemas.openxmlformats.org/officeDocument/2006/relationships" xmlns:p="http://schemas.openxmlformats.org/presentationml/2006/main">
   <p:cSld>
     <p:spTree>
@@ -3862,7 +4084,7 @@
 </p:sld>
 </file>
 
-<file path=ppt/slides/slide13.xml><?xml version="1.0" encoding="utf-8"?>
+<file path=ppt/slides/slide15.xml><?xml version="1.0" encoding="utf-8"?>
 <p:sld xmlns:a="http://schemas.openxmlformats.org/drawingml/2006/main" xmlns:r="http://schemas.openxmlformats.org/officeDocument/2006/relationships" xmlns:p="http://schemas.openxmlformats.org/presentationml/2006/main">
   <p:cSld>
     <p:spTree>
@@ -4321,7 +4543,7 @@
 </p:sld>
 </file>
 
-<file path=ppt/slides/slide14.xml><?xml version="1.0" encoding="utf-8"?>
+<file path=ppt/slides/slide16.xml><?xml version="1.0" encoding="utf-8"?>
 <p:sld xmlns:a="http://schemas.openxmlformats.org/drawingml/2006/main" xmlns:r="http://schemas.openxmlformats.org/officeDocument/2006/relationships" xmlns:p="http://schemas.openxmlformats.org/presentationml/2006/main">
   <p:cSld>
     <p:spTree>
@@ -4401,7 +4623,7 @@
 </p:sld>
 </file>
 
-<file path=ppt/slides/slide15.xml><?xml version="1.0" encoding="utf-8"?>
+<file path=ppt/slides/slide17.xml><?xml version="1.0" encoding="utf-8"?>
 <p:sld xmlns:a="http://schemas.openxmlformats.org/drawingml/2006/main" xmlns:r="http://schemas.openxmlformats.org/officeDocument/2006/relationships" xmlns:p="http://schemas.openxmlformats.org/presentationml/2006/main">
   <p:cSld>
     <p:spTree>
@@ -4584,10 +4806,10 @@
       </p:grpSpPr>
       <p:sp>
         <p:nvSpPr>
-          <p:cNvPr id="2" name="Título 1">
+          <p:cNvPr id="3" name="Espaço Reservado para Conteúdo 2">
             <a:extLst>
               <a:ext uri="{FF2B5EF4-FFF2-40B4-BE49-F238E27FC236}">
-                <a16:creationId xmlns:a16="http://schemas.microsoft.com/office/drawing/2014/main" id="{180B663C-71DF-1857-60B3-9ECC9A3D93ED}"/>
+                <a16:creationId xmlns:a16="http://schemas.microsoft.com/office/drawing/2014/main" id="{9C5768C4-E7A9-F734-9469-4D93B627EC7D}"/>
               </a:ext>
             </a:extLst>
           </p:cNvPr>
@@ -4595,7 +4817,7 @@
             <a:spLocks noGrp="1"/>
           </p:cNvSpPr>
           <p:nvPr>
-            <p:ph type="title"/>
+            <p:ph idx="1"/>
           </p:nvPr>
         </p:nvSpPr>
         <p:spPr/>
@@ -4603,46 +4825,22 @@
           <a:bodyPr/>
           <a:lstStyle/>
           <a:p>
-            <a:r>
-              <a:rPr lang="pt-BR" dirty="0"/>
-              <a:t>      ÉTICA À NICÔMACO</a:t>
-            </a:r>
-          </a:p>
-        </p:txBody>
-      </p:sp>
-      <p:sp>
-        <p:nvSpPr>
-          <p:cNvPr id="3" name="Espaço Reservado para Conteúdo 2">
-            <a:extLst>
-              <a:ext uri="{FF2B5EF4-FFF2-40B4-BE49-F238E27FC236}">
-                <a16:creationId xmlns:a16="http://schemas.microsoft.com/office/drawing/2014/main" id="{7A447105-4438-D791-7CC6-B20F608E3DFD}"/>
-              </a:ext>
-            </a:extLst>
-          </p:cNvPr>
-          <p:cNvSpPr>
-            <a:spLocks noGrp="1"/>
-          </p:cNvSpPr>
-          <p:nvPr>
-            <p:ph idx="1"/>
-          </p:nvPr>
-        </p:nvSpPr>
-        <p:spPr/>
-        <p:txBody>
-          <a:bodyPr/>
-          <a:lstStyle/>
-          <a:p>
-            <a:r>
-              <a:rPr lang="pt-PT" dirty="0"/>
-              <a:t>“Aristóteles defende que </a:t>
-            </a:r>
-            <a:r>
-              <a:rPr lang="pt-PT" b="1" dirty="0"/>
-              <a:t>a felicidade é a finalidade das ações humanas</a:t>
-            </a:r>
-            <a:r>
-              <a:rPr lang="pt-PT" dirty="0"/>
-              <a:t>. Em “Ética a Nicômaco”</a:t>
-            </a:r>
+            <a:pPr algn="just"/>
+            <a:r>
+              <a:rPr lang="pt-BR" sz="2800" i="1" dirty="0">
+                <a:effectLst/>
+                <a:latin typeface="Times New Roman" panose="02020603050405020304" pitchFamily="18" charset="0"/>
+                <a:ea typeface="Times New Roman" panose="02020603050405020304" pitchFamily="18" charset="0"/>
+              </a:rPr>
+              <a:t>A virtude é, pois, uma disposição de caráter relacionada com a escolha e consiste numa mediania, isto é, a mediania relativa a nós, a qual é determinada por um princípio racional próprio do homem dotado de sabedoria prática.</a:t>
+            </a:r>
+            <a:endParaRPr lang="pt-BR" sz="2800" dirty="0">
+              <a:effectLst/>
+              <a:latin typeface="Times New Roman" panose="02020603050405020304" pitchFamily="18" charset="0"/>
+              <a:ea typeface="Times New Roman" panose="02020603050405020304" pitchFamily="18" charset="0"/>
+            </a:endParaRPr>
+          </a:p>
+          <a:p>
             <a:endParaRPr lang="pt-BR" dirty="0"/>
           </a:p>
         </p:txBody>
@@ -4650,7 +4848,7 @@
     </p:spTree>
     <p:extLst>
       <p:ext uri="{BB962C8B-B14F-4D97-AF65-F5344CB8AC3E}">
-        <p14:creationId xmlns:p14="http://schemas.microsoft.com/office/powerpoint/2010/main" val="542199656"/>
+        <p14:creationId xmlns:p14="http://schemas.microsoft.com/office/powerpoint/2010/main" val="477354985"/>
       </p:ext>
     </p:extLst>
   </p:cSld>
@@ -4682,7 +4880,7 @@
           <p:cNvPr id="2" name="Título 1">
             <a:extLst>
               <a:ext uri="{FF2B5EF4-FFF2-40B4-BE49-F238E27FC236}">
-                <a16:creationId xmlns:a16="http://schemas.microsoft.com/office/drawing/2014/main" id="{6ACA8A65-F5C3-3453-07A3-A177F1B50E41}"/>
+                <a16:creationId xmlns:a16="http://schemas.microsoft.com/office/drawing/2014/main" id="{13219805-0987-DFCC-701E-362B33A06026}"/>
               </a:ext>
             </a:extLst>
           </p:cNvPr>
@@ -4695,23 +4893,12 @@
         </p:nvSpPr>
         <p:spPr/>
         <p:txBody>
-          <a:bodyPr>
-            <a:normAutofit fontScale="90000"/>
-          </a:bodyPr>
-          <a:lstStyle/>
-          <a:p>
-            <a:pPr algn="just"/>
+          <a:bodyPr/>
+          <a:lstStyle/>
+          <a:p>
             <a:r>
               <a:rPr lang="pt-BR" dirty="0"/>
-              <a:t>Quais são os principais fundamentos da obra Ética a </a:t>
-            </a:r>
-            <a:r>
-              <a:rPr lang="pt-BR" dirty="0" err="1"/>
-              <a:t>Nicômaco</a:t>
-            </a:r>
-            <a:r>
-              <a:rPr lang="pt-BR" dirty="0"/>
-              <a:t> de Aristóteles?</a:t>
+              <a:t> Virtudes e interesses públicos</a:t>
             </a:r>
           </a:p>
         </p:txBody>
@@ -4721,7 +4908,7 @@
           <p:cNvPr id="3" name="Espaço Reservado para Conteúdo 2">
             <a:extLst>
               <a:ext uri="{FF2B5EF4-FFF2-40B4-BE49-F238E27FC236}">
-                <a16:creationId xmlns:a16="http://schemas.microsoft.com/office/drawing/2014/main" id="{4AF3BED6-FF05-E9FF-5848-0E0D72638A6E}"/>
+                <a16:creationId xmlns:a16="http://schemas.microsoft.com/office/drawing/2014/main" id="{749199F9-16DE-D1BC-5414-8CF57108D5B6}"/>
               </a:ext>
             </a:extLst>
           </p:cNvPr>
@@ -4734,32 +4921,46 @@
         </p:nvSpPr>
         <p:spPr/>
         <p:txBody>
-          <a:bodyPr>
-            <a:normAutofit/>
-          </a:bodyPr>
+          <a:bodyPr/>
           <a:lstStyle/>
           <a:p>
             <a:pPr algn="just"/>
             <a:r>
-              <a:rPr lang="pt-PT" sz="2400" dirty="0"/>
-              <a:t>No livro Ética a Nicômaco, Aristóteles mostra que </a:t>
-            </a:r>
-            <a:r>
-              <a:rPr lang="pt-PT" sz="2400" b="1" dirty="0"/>
-              <a:t>a virtude está relacionada com o "justo meio", a mediana entre os vícios por falta e por excesso</a:t>
-            </a:r>
-            <a:r>
-              <a:rPr lang="pt-PT" sz="2400" dirty="0"/>
-              <a:t>. Por exemplo, a virtude da coragem é a mediana entre a covardia, vício pela falta e a temeridade, vício por excesso.</a:t>
-            </a:r>
-            <a:endParaRPr lang="pt-BR" sz="2400" dirty="0"/>
+              <a:rPr lang="pt-BR" sz="1800" kern="100" dirty="0">
+                <a:latin typeface="Calibri" panose="020F0502020204030204" pitchFamily="34" charset="0"/>
+                <a:ea typeface="Calibri" panose="020F0502020204030204" pitchFamily="34" charset="0"/>
+                <a:cs typeface="Times New Roman" panose="02020603050405020304" pitchFamily="18" charset="0"/>
+              </a:rPr>
+              <a:t>O</a:t>
+            </a:r>
+            <a:r>
+              <a:rPr lang="pt-BR" sz="1800" kern="100">
+                <a:effectLst/>
+                <a:latin typeface="Calibri" panose="020F0502020204030204" pitchFamily="34" charset="0"/>
+                <a:ea typeface="Calibri" panose="020F0502020204030204" pitchFamily="34" charset="0"/>
+                <a:cs typeface="Times New Roman" panose="02020603050405020304" pitchFamily="18" charset="0"/>
+              </a:rPr>
+              <a:t> </a:t>
+            </a:r>
+            <a:r>
+              <a:rPr lang="pt-BR" sz="1800" kern="100" dirty="0">
+                <a:effectLst/>
+                <a:latin typeface="Calibri" panose="020F0502020204030204" pitchFamily="34" charset="0"/>
+                <a:ea typeface="Calibri" panose="020F0502020204030204" pitchFamily="34" charset="0"/>
+                <a:cs typeface="Times New Roman" panose="02020603050405020304" pitchFamily="18" charset="0"/>
+              </a:rPr>
+              <a:t>homem sem lei é injusto e o respeitador da lei é justo; evidentemente todos os atos legítimos são, em certo sentido, atos justos, porque os atos prescritos pela arte do legislador são legítimos e cada um deles é justo. Ora, nas disposições que tomam sobre todos os assuntos, as leis têm em mira a vantagem comum, quer de todos, quer dos melhores ou daqueles que detêm o poder ou algo desse gênero; de modo que, em certo sentido, chamamos justos aqueles atos que tendem a produzir e a preservar, para a sociedade política, a felicidade e os elementos que a compõem.</a:t>
+            </a:r>
+          </a:p>
+          <a:p>
+            <a:endParaRPr lang="pt-BR" dirty="0"/>
           </a:p>
         </p:txBody>
       </p:sp>
     </p:spTree>
     <p:extLst>
       <p:ext uri="{BB962C8B-B14F-4D97-AF65-F5344CB8AC3E}">
-        <p14:creationId xmlns:p14="http://schemas.microsoft.com/office/powerpoint/2010/main" val="1004124115"/>
+        <p14:creationId xmlns:p14="http://schemas.microsoft.com/office/powerpoint/2010/main" val="958119994"/>
       </p:ext>
     </p:extLst>
   </p:cSld>
@@ -4791,7 +4992,7 @@
           <p:cNvPr id="2" name="Título 1">
             <a:extLst>
               <a:ext uri="{FF2B5EF4-FFF2-40B4-BE49-F238E27FC236}">
-                <a16:creationId xmlns:a16="http://schemas.microsoft.com/office/drawing/2014/main" id="{4F43CCCE-F1B3-A400-68C9-C03A9FC7C7DC}"/>
+                <a16:creationId xmlns:a16="http://schemas.microsoft.com/office/drawing/2014/main" id="{180B663C-71DF-1857-60B3-9ECC9A3D93ED}"/>
               </a:ext>
             </a:extLst>
           </p:cNvPr>
@@ -4804,14 +5005,12 @@
         </p:nvSpPr>
         <p:spPr/>
         <p:txBody>
-          <a:bodyPr>
-            <a:normAutofit fontScale="90000"/>
-          </a:bodyPr>
+          <a:bodyPr/>
           <a:lstStyle/>
           <a:p>
             <a:r>
               <a:rPr lang="pt-BR" dirty="0"/>
-              <a:t>Qual é a visão de Aristóteles sobre a ética?</a:t>
+              <a:t>      ÉTICA À NICÔMACO</a:t>
             </a:r>
           </a:p>
         </p:txBody>
@@ -4821,7 +5020,7 @@
           <p:cNvPr id="3" name="Espaço Reservado para Conteúdo 2">
             <a:extLst>
               <a:ext uri="{FF2B5EF4-FFF2-40B4-BE49-F238E27FC236}">
-                <a16:creationId xmlns:a16="http://schemas.microsoft.com/office/drawing/2014/main" id="{F00CBA27-42F0-7CBE-F08E-5B62ABD44A08}"/>
+                <a16:creationId xmlns:a16="http://schemas.microsoft.com/office/drawing/2014/main" id="{7A447105-4438-D791-7CC6-B20F608E3DFD}"/>
               </a:ext>
             </a:extLst>
           </p:cNvPr>
@@ -4834,32 +5033,49 @@
         </p:nvSpPr>
         <p:spPr/>
         <p:txBody>
-          <a:bodyPr>
-            <a:normAutofit/>
-          </a:bodyPr>
-          <a:lstStyle/>
+          <a:bodyPr/>
+          <a:lstStyle/>
+          <a:p>
+            <a:r>
+              <a:rPr lang="pt-PT" dirty="0"/>
+              <a:t>“Aristóteles defende que </a:t>
+            </a:r>
+            <a:r>
+              <a:rPr lang="pt-PT" b="1" dirty="0"/>
+              <a:t>a felicidade é a finalidade das ações humanas</a:t>
+            </a:r>
+            <a:r>
+              <a:rPr lang="pt-PT" dirty="0"/>
+              <a:t>. Em “Ética a Nicômaco”</a:t>
+            </a:r>
+          </a:p>
+          <a:p>
+            <a:r>
+              <a:rPr lang="pt-PT" dirty="0"/>
+              <a:t>FRAGMENTO DE ARISTÓTELES:</a:t>
+            </a:r>
+          </a:p>
           <a:p>
             <a:pPr algn="just"/>
             <a:r>
-              <a:rPr lang="pt-PT" sz="2800" dirty="0"/>
-              <a:t>Aristóteles apresenta a ética como uma </a:t>
-            </a:r>
-            <a:r>
-              <a:rPr lang="pt-PT" sz="2800" b="1" dirty="0"/>
-              <a:t>ação prática que diz respeito à conduta do homem na sociedade</a:t>
-            </a:r>
-            <a:r>
-              <a:rPr lang="pt-PT" sz="2800" dirty="0"/>
-              <a:t>. De acordo com a sua tese no livro Ética a Nicômaco, o homem estuda a ética não para saber o que ela é, mas para ser ético.</a:t>
-            </a:r>
-            <a:endParaRPr lang="pt-BR" sz="2800" dirty="0"/>
+              <a:rPr lang="pt-BR" sz="1800" kern="100" dirty="0">
+                <a:effectLst/>
+                <a:latin typeface="Calibri" panose="020F0502020204030204" pitchFamily="34" charset="0"/>
+                <a:ea typeface="Calibri" panose="020F0502020204030204" pitchFamily="34" charset="0"/>
+                <a:cs typeface="Times New Roman" panose="02020603050405020304" pitchFamily="18" charset="0"/>
+              </a:rPr>
+              <a:t>VEMOS QUE TODA CIDADE É UMA ESPÉCIE DE COMUNIDADE, E TODA COMUNIDADE SE FORMA COM VISTAS A ALGUM BEM, POIS TODAS AS AÇÕES DE TODOS OS HOMENS SÃO PRATICADAS COM VISTAS AO QUE LHE PARECE UM BEM; SE TODAS AS COMUNIDADES VISAM ALGUM BEM, É EVIDENTE QUE A MAIS IMPORTANTE DE TODAS ELAS E QUE INCLUI TODAS AS OUTRAS TEM MAIS QUE TODAS ESTE OBJETIVO E VISA AO MAIS IMPORTANTE DE TODOS OS BENS.</a:t>
+            </a:r>
+          </a:p>
+          <a:p>
+            <a:endParaRPr lang="pt-BR" dirty="0"/>
           </a:p>
         </p:txBody>
       </p:sp>
     </p:spTree>
     <p:extLst>
       <p:ext uri="{BB962C8B-B14F-4D97-AF65-F5344CB8AC3E}">
-        <p14:creationId xmlns:p14="http://schemas.microsoft.com/office/powerpoint/2010/main" val="3740732413"/>
+        <p14:creationId xmlns:p14="http://schemas.microsoft.com/office/powerpoint/2010/main" val="542199656"/>
       </p:ext>
     </p:extLst>
   </p:cSld>
@@ -4891,7 +5107,7 @@
           <p:cNvPr id="2" name="Título 1">
             <a:extLst>
               <a:ext uri="{FF2B5EF4-FFF2-40B4-BE49-F238E27FC236}">
-                <a16:creationId xmlns:a16="http://schemas.microsoft.com/office/drawing/2014/main" id="{79E9082C-1A04-8602-BF73-715C48B28186}"/>
+                <a16:creationId xmlns:a16="http://schemas.microsoft.com/office/drawing/2014/main" id="{6ACA8A65-F5C3-3453-07A3-A177F1B50E41}"/>
               </a:ext>
             </a:extLst>
           </p:cNvPr>
@@ -4902,26 +5118,26 @@
             <p:ph type="title"/>
           </p:nvPr>
         </p:nvSpPr>
-        <p:spPr>
-          <a:xfrm>
-            <a:off x="683568" y="581432"/>
-            <a:ext cx="7315200" cy="1154097"/>
-          </a:xfrm>
-        </p:spPr>
-        <p:txBody>
-          <a:bodyPr/>
-          <a:lstStyle/>
-          <a:p>
-            <a:pPr algn="ctr"/>
+        <p:spPr/>
+        <p:txBody>
+          <a:bodyPr>
+            <a:normAutofit fontScale="90000"/>
+          </a:bodyPr>
+          <a:lstStyle/>
+          <a:p>
+            <a:pPr algn="just"/>
             <a:r>
               <a:rPr lang="pt-BR" dirty="0"/>
-              <a:t>Ética à </a:t>
+              <a:t>Quais são os principais fundamentos da obra Ética a </a:t>
             </a:r>
             <a:r>
               <a:rPr lang="pt-BR" dirty="0" err="1"/>
               <a:t>Nicômaco</a:t>
             </a:r>
-            <a:endParaRPr lang="pt-BR" dirty="0"/>
+            <a:r>
+              <a:rPr lang="pt-BR" dirty="0"/>
+              <a:t> de Aristóteles?</a:t>
+            </a:r>
           </a:p>
         </p:txBody>
       </p:sp>
@@ -4930,7 +5146,7 @@
           <p:cNvPr id="3" name="Espaço Reservado para Conteúdo 2">
             <a:extLst>
               <a:ext uri="{FF2B5EF4-FFF2-40B4-BE49-F238E27FC236}">
-                <a16:creationId xmlns:a16="http://schemas.microsoft.com/office/drawing/2014/main" id="{AD94319C-F56E-8430-FEC0-9FE484F2DB66}"/>
+                <a16:creationId xmlns:a16="http://schemas.microsoft.com/office/drawing/2014/main" id="{4AF3BED6-FF05-E9FF-5848-0E0D72638A6E}"/>
               </a:ext>
             </a:extLst>
           </p:cNvPr>
@@ -4941,59 +5157,34 @@
             <p:ph idx="1"/>
           </p:nvPr>
         </p:nvSpPr>
-        <p:spPr>
-          <a:xfrm>
-            <a:off x="914400" y="1735529"/>
-            <a:ext cx="7315200" cy="4573831"/>
-          </a:xfrm>
-        </p:spPr>
+        <p:spPr/>
         <p:txBody>
           <a:bodyPr>
-            <a:normAutofit lnSpcReduction="10000"/>
+            <a:normAutofit/>
           </a:bodyPr>
           <a:lstStyle/>
           <a:p>
             <a:pPr algn="just"/>
             <a:r>
-              <a:rPr lang="pt-BR" sz="2400" dirty="0"/>
-              <a:t>No livro </a:t>
-            </a:r>
-            <a:r>
-              <a:rPr lang="pt-BR" sz="2400" i="1" dirty="0"/>
-              <a:t>Ética a </a:t>
-            </a:r>
-            <a:r>
-              <a:rPr lang="pt-BR" sz="2400" i="1" dirty="0" err="1"/>
-              <a:t>Nicômaco</a:t>
-            </a:r>
-            <a:r>
-              <a:rPr lang="pt-BR" sz="2400" dirty="0"/>
-              <a:t>, Aristóteles mostra que a virtude está relacionada com o "justo meio", a mediana entre os vícios por falta e por excesso.</a:t>
-            </a:r>
-          </a:p>
-          <a:p>
-            <a:pPr algn="just"/>
-            <a:r>
-              <a:rPr lang="pt-BR" sz="2400" dirty="0"/>
-              <a:t>Por exemplo, a virtude da coragem é a mediana entre a covardia, vício pela falta e a temeridade, vício por excesso. Assim como o orgulho (relativo à honra) é o junto meio entre a humildade (falta) e a vaidade (excesso).</a:t>
-            </a:r>
-          </a:p>
-          <a:p>
-            <a:pPr algn="just"/>
-            <a:r>
-              <a:rPr lang="pt-BR" sz="2400" dirty="0"/>
-              <a:t>Desse modo, o filósofo compreende que a virtude pode ser treinada e exercitada, conduzindo o indivíduo mais efetivamente para o bem comum e a felicidade.</a:t>
-            </a:r>
-          </a:p>
-          <a:p>
-            <a:endParaRPr lang="pt-BR" dirty="0"/>
+              <a:rPr lang="pt-PT" sz="2400" dirty="0"/>
+              <a:t>No livro Ética a Nicômaco, Aristóteles mostra que </a:t>
+            </a:r>
+            <a:r>
+              <a:rPr lang="pt-PT" sz="2400" b="1" dirty="0"/>
+              <a:t>a virtude está relacionada com o "justo meio", a mediana entre os vícios por falta e por excesso</a:t>
+            </a:r>
+            <a:r>
+              <a:rPr lang="pt-PT" sz="2400" dirty="0"/>
+              <a:t>. Por exemplo, a virtude da coragem é a mediana entre a covardia, vício pela falta e a temeridade, vício por excesso.</a:t>
+            </a:r>
+            <a:endParaRPr lang="pt-BR" sz="2400" dirty="0"/>
           </a:p>
         </p:txBody>
       </p:sp>
     </p:spTree>
     <p:extLst>
       <p:ext uri="{BB962C8B-B14F-4D97-AF65-F5344CB8AC3E}">
-        <p14:creationId xmlns:p14="http://schemas.microsoft.com/office/powerpoint/2010/main" val="564266509"/>
+        <p14:creationId xmlns:p14="http://schemas.microsoft.com/office/powerpoint/2010/main" val="1004124115"/>
       </p:ext>
     </p:extLst>
   </p:cSld>
@@ -5025,7 +5216,7 @@
           <p:cNvPr id="2" name="Título 1">
             <a:extLst>
               <a:ext uri="{FF2B5EF4-FFF2-40B4-BE49-F238E27FC236}">
-                <a16:creationId xmlns:a16="http://schemas.microsoft.com/office/drawing/2014/main" id="{E3088171-432D-CE17-1405-FAA84BF81441}"/>
+                <a16:creationId xmlns:a16="http://schemas.microsoft.com/office/drawing/2014/main" id="{4F43CCCE-F1B3-A400-68C9-C03A9FC7C7DC}"/>
               </a:ext>
             </a:extLst>
           </p:cNvPr>
@@ -5045,7 +5236,7 @@
           <a:p>
             <a:r>
               <a:rPr lang="pt-BR" dirty="0"/>
-              <a:t>Quais são os princípios da ética aristotélica?</a:t>
+              <a:t>Qual é a visão de Aristóteles sobre a ética?</a:t>
             </a:r>
           </a:p>
         </p:txBody>
@@ -5055,7 +5246,7 @@
           <p:cNvPr id="3" name="Espaço Reservado para Conteúdo 2">
             <a:extLst>
               <a:ext uri="{FF2B5EF4-FFF2-40B4-BE49-F238E27FC236}">
-                <a16:creationId xmlns:a16="http://schemas.microsoft.com/office/drawing/2014/main" id="{380A3B4A-B883-875E-FE07-7BAE4A8BD99B}"/>
+                <a16:creationId xmlns:a16="http://schemas.microsoft.com/office/drawing/2014/main" id="{F00CBA27-42F0-7CBE-F08E-5B62ABD44A08}"/>
               </a:ext>
             </a:extLst>
           </p:cNvPr>
@@ -5075,25 +5266,25 @@
           <a:p>
             <a:pPr algn="just"/>
             <a:r>
-              <a:rPr lang="pt-PT" sz="2400" dirty="0"/>
-              <a:t>Nesse sentido, a ética aristotélica </a:t>
-            </a:r>
-            <a:r>
-              <a:rPr lang="pt-PT" sz="2400" b="1" dirty="0"/>
-              <a:t>é uma ética do comedimento, da moderação, do afastamento de todo e qualquer excesso</a:t>
-            </a:r>
-            <a:r>
-              <a:rPr lang="pt-PT" sz="2400" dirty="0"/>
-              <a:t>. Para Aristóteles, é a ética que conduz à política. Segundo o filósofo, governar é permitir aos cidadãos viver a vida plena e feliz eticamente alcançada.</a:t>
-            </a:r>
-            <a:endParaRPr lang="pt-BR" sz="2400" dirty="0"/>
+              <a:rPr lang="pt-PT" sz="2800" dirty="0"/>
+              <a:t>Aristóteles apresenta a ética como uma </a:t>
+            </a:r>
+            <a:r>
+              <a:rPr lang="pt-PT" sz="2800" b="1" dirty="0"/>
+              <a:t>ação prática que diz respeito à conduta do homem na sociedade</a:t>
+            </a:r>
+            <a:r>
+              <a:rPr lang="pt-PT" sz="2800" dirty="0"/>
+              <a:t>. De acordo com a sua tese no livro Ética a Nicômaco, o homem estuda a ética não para saber o que ela é, mas para ser ético.</a:t>
+            </a:r>
+            <a:endParaRPr lang="pt-BR" sz="2800" dirty="0"/>
           </a:p>
         </p:txBody>
       </p:sp>
     </p:spTree>
     <p:extLst>
       <p:ext uri="{BB962C8B-B14F-4D97-AF65-F5344CB8AC3E}">
-        <p14:creationId xmlns:p14="http://schemas.microsoft.com/office/powerpoint/2010/main" val="2146213653"/>
+        <p14:creationId xmlns:p14="http://schemas.microsoft.com/office/powerpoint/2010/main" val="3740732413"/>
       </p:ext>
     </p:extLst>
   </p:cSld>
@@ -5125,7 +5316,7 @@
           <p:cNvPr id="2" name="Título 1">
             <a:extLst>
               <a:ext uri="{FF2B5EF4-FFF2-40B4-BE49-F238E27FC236}">
-                <a16:creationId xmlns:a16="http://schemas.microsoft.com/office/drawing/2014/main" id="{E2D808B7-D107-539C-4FFC-522F74C7FAAA}"/>
+                <a16:creationId xmlns:a16="http://schemas.microsoft.com/office/drawing/2014/main" id="{79E9082C-1A04-8602-BF73-715C48B28186}"/>
               </a:ext>
             </a:extLst>
           </p:cNvPr>
@@ -5136,14 +5327,20 @@
             <p:ph type="title"/>
           </p:nvPr>
         </p:nvSpPr>
-        <p:spPr/>
+        <p:spPr>
+          <a:xfrm>
+            <a:off x="683568" y="581432"/>
+            <a:ext cx="7315200" cy="1154097"/>
+          </a:xfrm>
+        </p:spPr>
         <p:txBody>
           <a:bodyPr/>
           <a:lstStyle/>
           <a:p>
+            <a:pPr algn="ctr"/>
             <a:r>
               <a:rPr lang="pt-BR" dirty="0"/>
-              <a:t>             Ética a </a:t>
+              <a:t>Ética à </a:t>
             </a:r>
             <a:r>
               <a:rPr lang="pt-BR" dirty="0" err="1"/>
@@ -5158,7 +5355,7 @@
           <p:cNvPr id="3" name="Espaço Reservado para Conteúdo 2">
             <a:extLst>
               <a:ext uri="{FF2B5EF4-FFF2-40B4-BE49-F238E27FC236}">
-                <a16:creationId xmlns:a16="http://schemas.microsoft.com/office/drawing/2014/main" id="{657273F4-0288-5B49-C00F-BC7614C59966}"/>
+                <a16:creationId xmlns:a16="http://schemas.microsoft.com/office/drawing/2014/main" id="{AD94319C-F56E-8430-FEC0-9FE484F2DB66}"/>
               </a:ext>
             </a:extLst>
           </p:cNvPr>
@@ -5169,46 +5366,59 @@
             <p:ph idx="1"/>
           </p:nvPr>
         </p:nvSpPr>
-        <p:spPr/>
+        <p:spPr>
+          <a:xfrm>
+            <a:off x="914400" y="1735529"/>
+            <a:ext cx="7315200" cy="4573831"/>
+          </a:xfrm>
+        </p:spPr>
         <p:txBody>
           <a:bodyPr>
-            <a:normAutofit/>
+            <a:normAutofit lnSpcReduction="10000"/>
           </a:bodyPr>
           <a:lstStyle/>
           <a:p>
             <a:pPr algn="just"/>
             <a:r>
-              <a:rPr lang="pt-PT" sz="2800" b="1" dirty="0"/>
-              <a:t>Constatou que todo o conhecimento e todo o trabalho do homem visam algum bem.</a:t>
-            </a:r>
-            <a:r>
-              <a:rPr lang="pt-PT" sz="2800" dirty="0"/>
-              <a:t> </a:t>
-            </a:r>
-            <a:r>
-              <a:rPr lang="pt-PT" sz="2800" b="1" dirty="0"/>
-              <a:t>O bem é a finalidade de toda a nossa ação.</a:t>
-            </a:r>
-            <a:r>
-              <a:rPr lang="pt-PT" sz="2800" dirty="0"/>
-              <a:t> </a:t>
-            </a:r>
-            <a:r>
-              <a:rPr lang="pt-PT" sz="2800" b="1" dirty="0"/>
-              <a:t>E essa busca do bem é o que diferencia a ação humana de todos os outros animais</a:t>
-            </a:r>
-            <a:r>
-              <a:rPr lang="pt-PT" sz="2800" dirty="0"/>
-              <a:t>.</a:t>
-            </a:r>
-            <a:endParaRPr lang="pt-BR" sz="2800" dirty="0"/>
+              <a:rPr lang="pt-BR" sz="2400" dirty="0"/>
+              <a:t>No livro </a:t>
+            </a:r>
+            <a:r>
+              <a:rPr lang="pt-BR" sz="2400" i="1" dirty="0"/>
+              <a:t>Ética a </a:t>
+            </a:r>
+            <a:r>
+              <a:rPr lang="pt-BR" sz="2400" i="1" dirty="0" err="1"/>
+              <a:t>Nicômaco</a:t>
+            </a:r>
+            <a:r>
+              <a:rPr lang="pt-BR" sz="2400" dirty="0"/>
+              <a:t>, Aristóteles mostra que a virtude está relacionada com o "justo meio", a mediana entre os vícios por falta e por excesso.</a:t>
+            </a:r>
+          </a:p>
+          <a:p>
+            <a:pPr algn="just"/>
+            <a:r>
+              <a:rPr lang="pt-BR" sz="2400" dirty="0"/>
+              <a:t>Por exemplo, a virtude da coragem é a mediana entre a covardia, vício pela falta e a temeridade, vício por excesso. Assim como o orgulho (relativo à honra) é o junto meio entre a humildade (falta) e a vaidade (excesso).</a:t>
+            </a:r>
+          </a:p>
+          <a:p>
+            <a:pPr algn="just"/>
+            <a:r>
+              <a:rPr lang="pt-BR" sz="2400" dirty="0"/>
+              <a:t>Desse modo, o filósofo compreende que a virtude pode ser treinada e exercitada, conduzindo o indivíduo mais efetivamente para o bem comum e a felicidade.</a:t>
+            </a:r>
+          </a:p>
+          <a:p>
+            <a:endParaRPr lang="pt-BR" dirty="0"/>
           </a:p>
         </p:txBody>
       </p:sp>
     </p:spTree>
     <p:extLst>
       <p:ext uri="{BB962C8B-B14F-4D97-AF65-F5344CB8AC3E}">
-        <p14:creationId xmlns:p14="http://schemas.microsoft.com/office/powerpoint/2010/main" val="2859309594"/>
+        <p14:creationId xmlns:p14="http://schemas.microsoft.com/office/powerpoint/2010/main" val="564266509"/>
       </p:ext>
     </p:extLst>
   </p:cSld>
@@ -5237,82 +5447,78 @@
       </p:grpSpPr>
       <p:sp>
         <p:nvSpPr>
-          <p:cNvPr id="2" name="CaixaDeTexto 1"/>
-          <p:cNvSpPr txBox="1"/>
-          <p:nvPr/>
-        </p:nvSpPr>
-        <p:spPr>
-          <a:xfrm>
-            <a:off x="214282" y="893613"/>
-            <a:ext cx="8715404" cy="5847755"/>
-          </a:xfrm>
-          <a:prstGeom prst="rect">
-            <a:avLst/>
-          </a:prstGeom>
-          <a:noFill/>
-        </p:spPr>
-        <p:txBody>
-          <a:bodyPr wrap="square" rtlCol="0">
-            <a:spAutoFit/>
+          <p:cNvPr id="2" name="Título 1">
+            <a:extLst>
+              <a:ext uri="{FF2B5EF4-FFF2-40B4-BE49-F238E27FC236}">
+                <a16:creationId xmlns:a16="http://schemas.microsoft.com/office/drawing/2014/main" id="{E3088171-432D-CE17-1405-FAA84BF81441}"/>
+              </a:ext>
+            </a:extLst>
+          </p:cNvPr>
+          <p:cNvSpPr>
+            <a:spLocks noGrp="1"/>
+          </p:cNvSpPr>
+          <p:nvPr>
+            <p:ph type="title"/>
+          </p:nvPr>
+        </p:nvSpPr>
+        <p:spPr/>
+        <p:txBody>
+          <a:bodyPr>
+            <a:normAutofit fontScale="90000"/>
           </a:bodyPr>
           <a:lstStyle/>
           <a:p>
+            <a:r>
+              <a:rPr lang="pt-BR" dirty="0"/>
+              <a:t>Quais são os princípios da ética aristotélica?</a:t>
+            </a:r>
+          </a:p>
+        </p:txBody>
+      </p:sp>
+      <p:sp>
+        <p:nvSpPr>
+          <p:cNvPr id="3" name="Espaço Reservado para Conteúdo 2">
+            <a:extLst>
+              <a:ext uri="{FF2B5EF4-FFF2-40B4-BE49-F238E27FC236}">
+                <a16:creationId xmlns:a16="http://schemas.microsoft.com/office/drawing/2014/main" id="{380A3B4A-B883-875E-FE07-7BAE4A8BD99B}"/>
+              </a:ext>
+            </a:extLst>
+          </p:cNvPr>
+          <p:cNvSpPr>
+            <a:spLocks noGrp="1"/>
+          </p:cNvSpPr>
+          <p:nvPr>
+            <p:ph idx="1"/>
+          </p:nvPr>
+        </p:nvSpPr>
+        <p:spPr/>
+        <p:txBody>
+          <a:bodyPr>
+            <a:normAutofit/>
+          </a:bodyPr>
+          <a:lstStyle/>
+          <a:p>
             <a:pPr algn="just"/>
-            <a:endParaRPr lang="pt-BR" sz="1400" dirty="0"/>
-          </a:p>
-          <a:p>
-            <a:pPr algn="just"/>
-            <a:r>
-              <a:rPr lang="pt-BR" sz="2000" dirty="0"/>
-              <a:t>Aristóteles nasceu em 384 a.C. em </a:t>
-            </a:r>
-            <a:r>
-              <a:rPr lang="pt-BR" sz="2000" dirty="0" err="1"/>
-              <a:t>Estagira</a:t>
-            </a:r>
-            <a:r>
-              <a:rPr lang="pt-BR" sz="2000" dirty="0"/>
-              <a:t>, na Macedônia (então sob influência grega e onde o grego era a língua predominante), filho de um médico. Aos 17 anos foi enviado à Academia de Platão, em Atenas, onde estudou e produziu filosofia durante 20 anos  parte de sua obra no período tem o objetivo de atacar a escola rival, de </a:t>
-            </a:r>
-            <a:r>
-              <a:rPr lang="pt-BR" sz="2000" dirty="0" err="1"/>
-              <a:t>Isócrates</a:t>
-            </a:r>
-            <a:r>
-              <a:rPr lang="pt-BR" sz="2000" dirty="0"/>
-              <a:t>, segundo a qual a finalidade do ensino era levar os alunos a dominar a retórica para serem capazes de defender qualquer ponto de vista, dependendo do interesse. Na Academia, a finalidade da educação era alcançar a sabedoria. Com a morte de Platão, em 347 a.C., Aristóteles mudou-se para </a:t>
-            </a:r>
-            <a:r>
-              <a:rPr lang="pt-BR" sz="2000" dirty="0" err="1"/>
-              <a:t>Assos</a:t>
-            </a:r>
-            <a:r>
-              <a:rPr lang="pt-BR" sz="2000" dirty="0"/>
-              <a:t>, na atual Turquia, possivelmente decepcionado por não ter sido escolhido para substituir o mestre na direção da Academia. Em 343 a.C., foi chamado por Felipe II, da Macedônia, para educar seu filho, Alexandre, e permaneceu na função durante vários anos, até que o pupilo começou a conquistar um vasto império (que incluía a Grécia, anexada por seu pai). De volta a Atenas, Aristóteles fundou a própria escola, o Liceu, desenvolvendo uma obra marcadamente </a:t>
-            </a:r>
-            <a:r>
-              <a:rPr lang="pt-BR" sz="2000" dirty="0" err="1"/>
-              <a:t>antiplatônica</a:t>
-            </a:r>
-            <a:r>
-              <a:rPr lang="pt-BR" sz="2000" dirty="0"/>
-              <a:t>. Depois da morte de Alexandre, Aristóteles passou a ser perseguido por ter colaborado na educação do imperador macedônio. Refugiou-se em </a:t>
-            </a:r>
-            <a:r>
-              <a:rPr lang="pt-BR" sz="2000" dirty="0" err="1"/>
-              <a:t>Calcis</a:t>
-            </a:r>
-            <a:r>
-              <a:rPr lang="pt-BR" sz="2000" dirty="0"/>
-              <a:t>, onde morreu em 322 a.C.</a:t>
-            </a:r>
+            <a:r>
+              <a:rPr lang="pt-PT" sz="2400" dirty="0"/>
+              <a:t>Nesse sentido, a ética aristotélica </a:t>
+            </a:r>
+            <a:r>
+              <a:rPr lang="pt-PT" sz="2400" b="1" dirty="0"/>
+              <a:t>é uma ética do comedimento, da moderação, do afastamento de todo e qualquer excesso</a:t>
+            </a:r>
+            <a:r>
+              <a:rPr lang="pt-PT" sz="2400" dirty="0"/>
+              <a:t>. Para Aristóteles, é a ética que conduz à política. Segundo o filósofo, governar é permitir aos cidadãos viver a vida plena e feliz eticamente alcançada.</a:t>
+            </a:r>
+            <a:endParaRPr lang="pt-BR" sz="2400" dirty="0"/>
           </a:p>
         </p:txBody>
       </p:sp>
     </p:spTree>
     <p:extLst>
       <p:ext uri="{BB962C8B-B14F-4D97-AF65-F5344CB8AC3E}">
-        <p14:creationId xmlns:p14="http://schemas.microsoft.com/office/powerpoint/2010/main" val="4016872651"/>
+        <p14:creationId xmlns:p14="http://schemas.microsoft.com/office/powerpoint/2010/main" val="2146213653"/>
       </p:ext>
     </p:extLst>
   </p:cSld>
@@ -5339,96 +5545,95 @@
           <a:chExt cx="0" cy="0"/>
         </a:xfrm>
       </p:grpSpPr>
-      <p:pic>
-        <p:nvPicPr>
-          <p:cNvPr id="3074" name="Picture 2" descr="AristÃ³teles ensinando Alexandre, o Grande gravura de Charles Laplante"/>
-          <p:cNvPicPr>
-            <a:picLocks noChangeAspect="1" noChangeArrowheads="1"/>
-          </p:cNvPicPr>
-          <p:nvPr/>
-        </p:nvPicPr>
-        <p:blipFill>
-          <a:blip r:embed="rId2">
+      <p:sp>
+        <p:nvSpPr>
+          <p:cNvPr id="2" name="Título 1">
             <a:extLst>
-              <a:ext uri="{28A0092B-C50C-407E-A947-70E740481C1C}">
-                <a14:useLocalDpi xmlns:a14="http://schemas.microsoft.com/office/drawing/2010/main" val="0"/>
+              <a:ext uri="{FF2B5EF4-FFF2-40B4-BE49-F238E27FC236}">
+                <a16:creationId xmlns:a16="http://schemas.microsoft.com/office/drawing/2014/main" id="{E2D808B7-D107-539C-4FFC-522F74C7FAAA}"/>
               </a:ext>
             </a:extLst>
-          </a:blip>
-          <a:srcRect/>
-          <a:stretch>
-            <a:fillRect/>
-          </a:stretch>
-        </p:blipFill>
-        <p:spPr bwMode="auto">
-          <a:xfrm>
-            <a:off x="999363" y="1363811"/>
-            <a:ext cx="6912768" cy="5449565"/>
-          </a:xfrm>
-          <a:prstGeom prst="rect">
-            <a:avLst/>
-          </a:prstGeom>
-          <a:noFill/>
-          <a:extLst>
-            <a:ext uri="{909E8E84-426E-40DD-AFC4-6F175D3DCCD1}">
-              <a14:hiddenFill xmlns:a14="http://schemas.microsoft.com/office/drawing/2010/main">
-                <a:solidFill>
-                  <a:srgbClr val="FFFFFF"/>
-                </a:solidFill>
-              </a14:hiddenFill>
-            </a:ext>
-          </a:extLst>
-        </p:spPr>
-      </p:pic>
-      <p:sp>
-        <p:nvSpPr>
-          <p:cNvPr id="2" name="Retângulo 1"/>
-          <p:cNvSpPr/>
-          <p:nvPr/>
-        </p:nvSpPr>
-        <p:spPr>
-          <a:xfrm>
-            <a:off x="999363" y="260648"/>
-            <a:ext cx="6912768" cy="830997"/>
-          </a:xfrm>
-          <a:prstGeom prst="rect">
-            <a:avLst/>
-          </a:prstGeom>
-        </p:spPr>
-        <p:txBody>
-          <a:bodyPr wrap="square">
-            <a:spAutoFit/>
+          </p:cNvPr>
+          <p:cNvSpPr>
+            <a:spLocks noGrp="1"/>
+          </p:cNvSpPr>
+          <p:nvPr>
+            <p:ph type="title"/>
+          </p:nvPr>
+        </p:nvSpPr>
+        <p:spPr/>
+        <p:txBody>
+          <a:bodyPr/>
+          <a:lstStyle/>
+          <a:p>
+            <a:r>
+              <a:rPr lang="pt-BR" dirty="0"/>
+              <a:t>             Ética a </a:t>
+            </a:r>
+            <a:r>
+              <a:rPr lang="pt-BR" dirty="0" err="1"/>
+              <a:t>Nicômaco</a:t>
+            </a:r>
+            <a:endParaRPr lang="pt-BR" dirty="0"/>
+          </a:p>
+        </p:txBody>
+      </p:sp>
+      <p:sp>
+        <p:nvSpPr>
+          <p:cNvPr id="3" name="Espaço Reservado para Conteúdo 2">
+            <a:extLst>
+              <a:ext uri="{FF2B5EF4-FFF2-40B4-BE49-F238E27FC236}">
+                <a16:creationId xmlns:a16="http://schemas.microsoft.com/office/drawing/2014/main" id="{657273F4-0288-5B49-C00F-BC7614C59966}"/>
+              </a:ext>
+            </a:extLst>
+          </p:cNvPr>
+          <p:cNvSpPr>
+            <a:spLocks noGrp="1"/>
+          </p:cNvSpPr>
+          <p:nvPr>
+            <p:ph idx="1"/>
+          </p:nvPr>
+        </p:nvSpPr>
+        <p:spPr/>
+        <p:txBody>
+          <a:bodyPr>
+            <a:normAutofit/>
           </a:bodyPr>
           <a:lstStyle/>
           <a:p>
-            <a:pPr algn="ctr"/>
-            <a:r>
-              <a:rPr lang="pt-BR" sz="2400" i="1" dirty="0"/>
-              <a:t>Aristóteles ensinando Alexandre, o Grande </a:t>
-            </a:r>
-          </a:p>
-          <a:p>
-            <a:pPr algn="ctr"/>
-            <a:r>
-              <a:rPr lang="pt-BR" sz="2400" i="1" dirty="0"/>
-              <a:t>– </a:t>
-            </a:r>
-            <a:r>
-              <a:rPr lang="pt-BR" sz="2400" dirty="0"/>
-              <a:t>gravura de Charles </a:t>
-            </a:r>
-            <a:r>
-              <a:rPr lang="pt-BR" sz="2400" dirty="0" err="1"/>
-              <a:t>Laplante</a:t>
-            </a:r>
-            <a:endParaRPr lang="pt-BR" sz="2400" dirty="0"/>
+            <a:pPr algn="just"/>
+            <a:r>
+              <a:rPr lang="pt-PT" sz="2800" b="1" dirty="0"/>
+              <a:t>Constatou que todo o conhecimento e todo o trabalho do homem visam algum bem.</a:t>
+            </a:r>
+            <a:r>
+              <a:rPr lang="pt-PT" sz="2800" dirty="0"/>
+              <a:t> </a:t>
+            </a:r>
+            <a:r>
+              <a:rPr lang="pt-PT" sz="2800" b="1" dirty="0"/>
+              <a:t>O bem é a finalidade de toda a nossa ação.</a:t>
+            </a:r>
+            <a:r>
+              <a:rPr lang="pt-PT" sz="2800" dirty="0"/>
+              <a:t> </a:t>
+            </a:r>
+            <a:r>
+              <a:rPr lang="pt-PT" sz="2800" b="1" dirty="0"/>
+              <a:t>E essa busca do bem é o que diferencia a ação humana de todos os outros animais</a:t>
+            </a:r>
+            <a:r>
+              <a:rPr lang="pt-PT" sz="2800" dirty="0"/>
+              <a:t>.</a:t>
+            </a:r>
+            <a:endParaRPr lang="pt-BR" sz="2800" dirty="0"/>
           </a:p>
         </p:txBody>
       </p:sp>
     </p:spTree>
     <p:extLst>
       <p:ext uri="{BB962C8B-B14F-4D97-AF65-F5344CB8AC3E}">
-        <p14:creationId xmlns:p14="http://schemas.microsoft.com/office/powerpoint/2010/main" val="4053121501"/>
+        <p14:creationId xmlns:p14="http://schemas.microsoft.com/office/powerpoint/2010/main" val="2859309594"/>
       </p:ext>
     </p:extLst>
   </p:cSld>
